--- a/UNIDAD01_TEORIA_DE_PROBABILIDAD/02_U01_Probabilidad_Condicional.pptx
+++ b/UNIDAD01_TEORIA_DE_PROBABILIDAD/02_U01_Probabilidad_Condicional.pptx
@@ -5484,7 +5484,7 @@
         <p:spPr>
           <a:xfrm>
             <a:off x="0" y="3780000"/>
-            <a:ext cx="10079280" cy="1889280"/>
+            <a:ext cx="10078920" cy="1888920"/>
           </a:xfrm>
           <a:prstGeom prst="rect">
             <a:avLst/>
@@ -5526,7 +5526,7 @@
         <p:spPr>
           <a:xfrm>
             <a:off x="504000" y="226080"/>
-            <a:ext cx="9071640" cy="946080"/>
+            <a:ext cx="9072000" cy="946440"/>
           </a:xfrm>
           <a:prstGeom prst="rect">
             <a:avLst/>
@@ -5537,13 +5537,14 @@
             <a:noAutofit/>
           </a:bodyPr>
           <a:p>
+            <a:pPr algn="ctr"/>
             <a:r>
-              <a:rPr b="0" lang="es-MX" sz="1800" spc="-1" strike="noStrike">
+              <a:rPr b="0" lang="es-MX" sz="4400" spc="-1" strike="noStrike">
                 <a:latin typeface="Arial"/>
               </a:rPr>
               <a:t>Pulse para editar el formato del texto de título</a:t>
             </a:r>
-            <a:endParaRPr b="0" lang="es-MX" sz="1800" spc="-1" strike="noStrike">
+            <a:endParaRPr b="0" lang="es-MX" sz="4400" spc="-1" strike="noStrike">
               <a:latin typeface="Arial"/>
             </a:endParaRPr>
           </a:p>
@@ -5562,7 +5563,7 @@
         <p:spPr>
           <a:xfrm>
             <a:off x="504000" y="1326600"/>
-            <a:ext cx="9071640" cy="3288240"/>
+            <a:ext cx="9072000" cy="3288600"/>
           </a:xfrm>
           <a:prstGeom prst="rect">
             <a:avLst/>
@@ -5570,7 +5571,7 @@
         </p:spPr>
         <p:txBody>
           <a:bodyPr lIns="0" rIns="0" tIns="0" bIns="0">
-            <a:normAutofit/>
+            <a:normAutofit fontScale="94000"/>
           </a:bodyPr>
           <a:p>
             <a:pPr marL="432000" indent="-324000">
@@ -5585,12 +5586,12 @@
               <a:buChar char=""/>
             </a:pPr>
             <a:r>
-              <a:rPr b="0" lang="es-MX" sz="1800" spc="-1" strike="noStrike">
+              <a:rPr b="0" lang="es-MX" sz="3200" spc="-1" strike="noStrike">
                 <a:latin typeface="Arial"/>
               </a:rPr>
               <a:t>Pulse para editar el formato de texto del esquema</a:t>
             </a:r>
-            <a:endParaRPr b="0" lang="es-MX" sz="1800" spc="-1" strike="noStrike">
+            <a:endParaRPr b="0" lang="es-MX" sz="3200" spc="-1" strike="noStrike">
               <a:latin typeface="Arial"/>
             </a:endParaRPr>
           </a:p>
@@ -5607,12 +5608,12 @@
               <a:buChar char=""/>
             </a:pPr>
             <a:r>
-              <a:rPr b="0" lang="es-MX" sz="1800" spc="-1" strike="noStrike">
+              <a:rPr b="0" lang="es-MX" sz="2800" spc="-1" strike="noStrike">
                 <a:latin typeface="Arial"/>
               </a:rPr>
               <a:t>Segundo nivel del esquema</a:t>
             </a:r>
-            <a:endParaRPr b="0" lang="es-MX" sz="1800" spc="-1" strike="noStrike">
+            <a:endParaRPr b="0" lang="es-MX" sz="2800" spc="-1" strike="noStrike">
               <a:latin typeface="Arial"/>
             </a:endParaRPr>
           </a:p>
@@ -5629,12 +5630,12 @@
               <a:buChar char=""/>
             </a:pPr>
             <a:r>
-              <a:rPr b="0" lang="es-MX" sz="1800" spc="-1" strike="noStrike">
+              <a:rPr b="0" lang="es-MX" sz="2400" spc="-1" strike="noStrike">
                 <a:latin typeface="Arial"/>
               </a:rPr>
               <a:t>Tercer nivel del esquema</a:t>
             </a:r>
-            <a:endParaRPr b="0" lang="es-MX" sz="1800" spc="-1" strike="noStrike">
+            <a:endParaRPr b="0" lang="es-MX" sz="2400" spc="-1" strike="noStrike">
               <a:latin typeface="Arial"/>
             </a:endParaRPr>
           </a:p>
@@ -5651,12 +5652,12 @@
               <a:buChar char=""/>
             </a:pPr>
             <a:r>
-              <a:rPr b="0" lang="es-MX" sz="1800" spc="-1" strike="noStrike">
+              <a:rPr b="0" lang="es-MX" sz="2000" spc="-1" strike="noStrike">
                 <a:latin typeface="Arial"/>
               </a:rPr>
               <a:t>Cuarto nivel del esquema</a:t>
             </a:r>
-            <a:endParaRPr b="0" lang="es-MX" sz="1800" spc="-1" strike="noStrike">
+            <a:endParaRPr b="0" lang="es-MX" sz="2000" spc="-1" strike="noStrike">
               <a:latin typeface="Arial"/>
             </a:endParaRPr>
           </a:p>
@@ -5673,12 +5674,12 @@
               <a:buChar char=""/>
             </a:pPr>
             <a:r>
-              <a:rPr b="0" lang="es-MX" sz="1800" spc="-1" strike="noStrike">
+              <a:rPr b="0" lang="es-MX" sz="2000" spc="-1" strike="noStrike">
                 <a:latin typeface="Arial"/>
               </a:rPr>
               <a:t>Quinto nivel del esquema</a:t>
             </a:r>
-            <a:endParaRPr b="0" lang="es-MX" sz="1800" spc="-1" strike="noStrike">
+            <a:endParaRPr b="0" lang="es-MX" sz="2000" spc="-1" strike="noStrike">
               <a:latin typeface="Arial"/>
             </a:endParaRPr>
           </a:p>
@@ -5695,12 +5696,12 @@
               <a:buChar char=""/>
             </a:pPr>
             <a:r>
-              <a:rPr b="0" lang="es-MX" sz="1800" spc="-1" strike="noStrike">
+              <a:rPr b="0" lang="es-MX" sz="2000" spc="-1" strike="noStrike">
                 <a:latin typeface="Arial"/>
               </a:rPr>
               <a:t>Sexto nivel del esquema</a:t>
             </a:r>
-            <a:endParaRPr b="0" lang="es-MX" sz="1800" spc="-1" strike="noStrike">
+            <a:endParaRPr b="0" lang="es-MX" sz="2000" spc="-1" strike="noStrike">
               <a:latin typeface="Arial"/>
             </a:endParaRPr>
           </a:p>
@@ -5717,12 +5718,12 @@
               <a:buChar char=""/>
             </a:pPr>
             <a:r>
-              <a:rPr b="0" lang="es-MX" sz="1800" spc="-1" strike="noStrike">
+              <a:rPr b="0" lang="es-MX" sz="2000" spc="-1" strike="noStrike">
                 <a:latin typeface="Arial"/>
               </a:rPr>
               <a:t>Séptimo nivel del esquema</a:t>
             </a:r>
-            <a:endParaRPr b="0" lang="es-MX" sz="1800" spc="-1" strike="noStrike">
+            <a:endParaRPr b="0" lang="es-MX" sz="2000" spc="-1" strike="noStrike">
               <a:latin typeface="Arial"/>
             </a:endParaRPr>
           </a:p>
@@ -5781,8 +5782,8 @@
         </p:nvSpPr>
         <p:spPr>
           <a:xfrm flipV="1">
-            <a:off x="0" y="-720"/>
-            <a:ext cx="10079280" cy="1079280"/>
+            <a:off x="0" y="-1440"/>
+            <a:ext cx="10078920" cy="1078920"/>
           </a:xfrm>
           <a:prstGeom prst="rect">
             <a:avLst/>
@@ -6080,8 +6081,8 @@
         </p:nvSpPr>
         <p:spPr>
           <a:xfrm flipV="1">
-            <a:off x="0" y="-720"/>
-            <a:ext cx="10079280" cy="1079280"/>
+            <a:off x="0" y="-1440"/>
+            <a:ext cx="10078920" cy="1078920"/>
           </a:xfrm>
           <a:prstGeom prst="rect">
             <a:avLst/>
@@ -6371,8 +6372,8 @@
         </p:nvSpPr>
         <p:spPr>
           <a:xfrm flipV="1">
-            <a:off x="0" y="-720"/>
-            <a:ext cx="10079280" cy="179280"/>
+            <a:off x="0" y="-1440"/>
+            <a:ext cx="10078920" cy="178920"/>
           </a:xfrm>
           <a:prstGeom prst="rect">
             <a:avLst/>
@@ -6410,7 +6411,7 @@
         <p:spPr>
           <a:xfrm>
             <a:off x="0" y="5580000"/>
-            <a:ext cx="10079280" cy="89280"/>
+            <a:ext cx="10078920" cy="88920"/>
           </a:xfrm>
           <a:prstGeom prst="rect">
             <a:avLst/>
@@ -6709,7 +6710,7 @@
         <p:spPr>
           <a:xfrm>
             <a:off x="450000" y="270000"/>
-            <a:ext cx="8999280" cy="3239280"/>
+            <a:ext cx="8998920" cy="3238920"/>
           </a:xfrm>
           <a:prstGeom prst="rect">
             <a:avLst/>
@@ -6760,7 +6761,7 @@
         <p:spPr>
           <a:xfrm>
             <a:off x="450000" y="3870000"/>
-            <a:ext cx="8999280" cy="1169280"/>
+            <a:ext cx="8998920" cy="1168920"/>
           </a:xfrm>
           <a:prstGeom prst="rect">
             <a:avLst/>
@@ -6849,7 +6850,7 @@
         <p:spPr>
           <a:xfrm>
             <a:off x="502920" y="90720"/>
-            <a:ext cx="9070920" cy="946080"/>
+            <a:ext cx="9070560" cy="945720"/>
           </a:xfrm>
           <a:prstGeom prst="rect">
             <a:avLst/>
@@ -6900,7 +6901,7 @@
         <p:spPr>
           <a:xfrm>
             <a:off x="281160" y="1179360"/>
-            <a:ext cx="9670320" cy="2669040"/>
+            <a:ext cx="9669960" cy="2668680"/>
           </a:xfrm>
           <a:prstGeom prst="rect">
             <a:avLst/>
@@ -6955,7 +6956,7 @@
         <p:spPr>
           <a:xfrm>
             <a:off x="540000" y="1231920"/>
-            <a:ext cx="7770960" cy="2761200"/>
+            <a:ext cx="7770600" cy="2760840"/>
           </a:xfrm>
           <a:prstGeom prst="rect">
             <a:avLst/>
@@ -6978,7 +6979,7 @@
         <p:spPr>
           <a:xfrm>
             <a:off x="360000" y="3993840"/>
-            <a:ext cx="7379280" cy="1321560"/>
+            <a:ext cx="7378920" cy="1321200"/>
           </a:xfrm>
           <a:prstGeom prst="rect">
             <a:avLst/>
@@ -7035,7 +7036,7 @@
         <p:spPr>
           <a:xfrm>
             <a:off x="502920" y="90720"/>
-            <a:ext cx="9070920" cy="946080"/>
+            <a:ext cx="9070560" cy="945720"/>
           </a:xfrm>
           <a:prstGeom prst="rect">
             <a:avLst/>
@@ -7086,7 +7087,7 @@
         <p:spPr>
           <a:xfrm>
             <a:off x="281160" y="1830240"/>
-            <a:ext cx="9670320" cy="2669040"/>
+            <a:ext cx="9669960" cy="2668680"/>
           </a:xfrm>
           <a:prstGeom prst="rect">
             <a:avLst/>
@@ -7295,7 +7296,7 @@
         <p:spPr>
           <a:xfrm>
             <a:off x="502920" y="90720"/>
-            <a:ext cx="9070920" cy="946080"/>
+            <a:ext cx="9070560" cy="945720"/>
           </a:xfrm>
           <a:prstGeom prst="rect">
             <a:avLst/>
@@ -7350,7 +7351,7 @@
         <p:spPr>
           <a:xfrm>
             <a:off x="351720" y="1248840"/>
-            <a:ext cx="9466560" cy="3637800"/>
+            <a:ext cx="9466200" cy="3637440"/>
           </a:xfrm>
           <a:prstGeom prst="rect">
             <a:avLst/>
@@ -7407,7 +7408,7 @@
         <p:spPr>
           <a:xfrm>
             <a:off x="502920" y="90720"/>
-            <a:ext cx="9070920" cy="946080"/>
+            <a:ext cx="9070560" cy="945720"/>
           </a:xfrm>
           <a:prstGeom prst="rect">
             <a:avLst/>
@@ -7462,7 +7463,7 @@
         <p:spPr>
           <a:xfrm>
             <a:off x="180000" y="1440000"/>
-            <a:ext cx="9721800" cy="1799280"/>
+            <a:ext cx="9721440" cy="1798920"/>
           </a:xfrm>
           <a:prstGeom prst="rect">
             <a:avLst/>
@@ -7519,7 +7520,7 @@
         <p:spPr>
           <a:xfrm>
             <a:off x="502920" y="90720"/>
-            <a:ext cx="9070920" cy="946080"/>
+            <a:ext cx="9070560" cy="945720"/>
           </a:xfrm>
           <a:prstGeom prst="rect">
             <a:avLst/>
@@ -7570,7 +7571,7 @@
         <p:spPr>
           <a:xfrm>
             <a:off x="540000" y="1260000"/>
-            <a:ext cx="8819640" cy="5721120"/>
+            <a:ext cx="8819280" cy="5720760"/>
           </a:xfrm>
           <a:prstGeom prst="rect">
             <a:avLst/>
@@ -7598,7 +7599,11 @@
             </a:pPr>
             <a:r>
               <a:rPr b="0" lang="es-MX" sz="1800" spc="-1" strike="noStrike">
+                <a:solidFill>
+                  <a:srgbClr val="000000"/>
+                </a:solidFill>
                 <a:latin typeface="Arial"/>
+                <a:ea typeface="DejaVu Sans"/>
               </a:rPr>
               <a:t>Sean A y B eventos cualesquiera de un espacio muestral S. Se dice que A y B son</a:t>
             </a:r>
@@ -7614,7 +7619,11 @@
             </a:pPr>
             <a:r>
               <a:rPr b="0" lang="es-MX" sz="1800" spc="-1" strike="noStrike">
+                <a:solidFill>
+                  <a:srgbClr val="000000"/>
+                </a:solidFill>
                 <a:latin typeface="Arial"/>
+                <a:ea typeface="DejaVu Sans"/>
               </a:rPr>
               <a:t>independientes si P(A|B) = P(A) y P(B|A) = P(B), es decir que el evento A no depende del evento B y el evento B no depende del evento A.</a:t>
             </a:r>
@@ -7630,7 +7639,11 @@
             </a:pPr>
             <a:r>
               <a:rPr b="0" lang="es-MX" sz="1800" spc="-1" strike="noStrike">
+                <a:solidFill>
+                  <a:srgbClr val="000000"/>
+                </a:solidFill>
                 <a:latin typeface="Arial"/>
+                <a:ea typeface="DejaVu Sans"/>
               </a:rPr>
               <a:t>Lo anterior es equivalente a la siguiente definición:</a:t>
             </a:r>
@@ -7686,7 +7699,11 @@
             </a:pPr>
             <a:r>
               <a:rPr b="0" lang="es-MX" sz="1800" spc="-1" strike="noStrike">
+                <a:solidFill>
+                  <a:srgbClr val="000000"/>
+                </a:solidFill>
                 <a:latin typeface="Arial"/>
+                <a:ea typeface="DejaVu Sans"/>
               </a:rPr>
               <a:t>Demostración:</a:t>
             </a:r>
@@ -7702,7 +7719,11 @@
             </a:pPr>
             <a:r>
               <a:rPr b="0" lang="es-MX" sz="1800" spc="-1" strike="noStrike">
+                <a:solidFill>
+                  <a:srgbClr val="000000"/>
+                </a:solidFill>
                 <a:latin typeface="Arial"/>
+                <a:ea typeface="DejaVu Sans"/>
               </a:rPr>
               <a:t>De la definición de probabilidad condicional,</a:t>
             </a:r>
@@ -7718,7 +7739,11 @@
             </a:pPr>
             <a:r>
               <a:rPr b="0" lang="es-MX" sz="1800" spc="-1" strike="noStrike">
+                <a:solidFill>
+                  <a:srgbClr val="000000"/>
+                </a:solidFill>
                 <a:latin typeface="Arial"/>
+                <a:ea typeface="DejaVu Sans"/>
               </a:rPr>
               <a:t>P(A|B) = P(A∩B)/P(B), P(B)≠0</a:t>
             </a:r>
@@ -7734,7 +7759,11 @@
             </a:pPr>
             <a:r>
               <a:rPr b="0" lang="es-MX" sz="1800" spc="-1" strike="noStrike">
+                <a:solidFill>
+                  <a:srgbClr val="000000"/>
+                </a:solidFill>
                 <a:latin typeface="Arial"/>
+                <a:ea typeface="DejaVu Sans"/>
               </a:rPr>
               <a:t>Si A y B son independientes: P(A|B) = P(A).</a:t>
             </a:r>
@@ -7750,7 +7779,11 @@
             </a:pPr>
             <a:r>
               <a:rPr b="0" lang="es-MX" sz="1800" spc="-1" strike="noStrike">
+                <a:solidFill>
+                  <a:srgbClr val="000000"/>
+                </a:solidFill>
                 <a:latin typeface="Arial"/>
+                <a:ea typeface="DejaVu Sans"/>
               </a:rPr>
               <a:t>Si se sustituye en la fórmula de probabilidad condicional:</a:t>
             </a:r>
@@ -7766,7 +7799,11 @@
             </a:pPr>
             <a:r>
               <a:rPr b="0" lang="es-MX" sz="1800" spc="-1" strike="noStrike">
+                <a:solidFill>
+                  <a:srgbClr val="000000"/>
+                </a:solidFill>
                 <a:latin typeface="Arial"/>
+                <a:ea typeface="DejaVu Sans"/>
               </a:rPr>
               <a:t>P(A) = P(A∩B)/P(B)</a:t>
             </a:r>
@@ -7782,9 +7819,13 @@
             </a:pPr>
             <a:r>
               <a:rPr b="0" lang="es-MX" sz="1800" spc="-1" strike="noStrike">
+                <a:solidFill>
+                  <a:srgbClr val="000000"/>
+                </a:solidFill>
                 <a:latin typeface="Arial"/>
+                <a:ea typeface="DejaVu Sans"/>
               </a:rPr>
-              <a:t>Se obtiene el la fórmula en la definición.</a:t>
+              <a:t>Se obtiene la fórmula en la definición.</a:t>
             </a:r>
             <a:endParaRPr b="0" lang="es-MX" sz="1800" spc="-1" strike="noStrike">
               <a:latin typeface="Arial"/>
@@ -7875,7 +7916,7 @@
         <p:spPr>
           <a:xfrm>
             <a:off x="561600" y="2415240"/>
-            <a:ext cx="8046720" cy="951480"/>
+            <a:ext cx="8046360" cy="951120"/>
           </a:xfrm>
           <a:prstGeom prst="rect">
             <a:avLst/>
@@ -7932,7 +7973,7 @@
         <p:spPr>
           <a:xfrm>
             <a:off x="502920" y="90720"/>
-            <a:ext cx="9070920" cy="946080"/>
+            <a:ext cx="9070560" cy="945720"/>
           </a:xfrm>
           <a:prstGeom prst="rect">
             <a:avLst/>
@@ -7987,7 +8028,7 @@
         <p:spPr>
           <a:xfrm>
             <a:off x="1069560" y="1641960"/>
-            <a:ext cx="8027640" cy="2408760"/>
+            <a:ext cx="8027280" cy="2408400"/>
           </a:xfrm>
           <a:prstGeom prst="rect">
             <a:avLst/>
@@ -8044,7 +8085,7 @@
         <p:spPr>
           <a:xfrm>
             <a:off x="502920" y="90720"/>
-            <a:ext cx="9070920" cy="946080"/>
+            <a:ext cx="9070560" cy="945720"/>
           </a:xfrm>
           <a:prstGeom prst="rect">
             <a:avLst/>
@@ -8099,7 +8140,7 @@
         <p:spPr>
           <a:xfrm>
             <a:off x="1080000" y="1440000"/>
-            <a:ext cx="8018640" cy="3923280"/>
+            <a:ext cx="8018280" cy="3922920"/>
           </a:xfrm>
           <a:prstGeom prst="rect">
             <a:avLst/>
@@ -8156,7 +8197,7 @@
         <p:spPr>
           <a:xfrm>
             <a:off x="502920" y="90720"/>
-            <a:ext cx="9070920" cy="946080"/>
+            <a:ext cx="9070560" cy="945720"/>
           </a:xfrm>
           <a:prstGeom prst="rect">
             <a:avLst/>
@@ -8211,7 +8252,7 @@
         <p:spPr>
           <a:xfrm>
             <a:off x="1143720" y="1275480"/>
-            <a:ext cx="8056440" cy="1104120"/>
+            <a:ext cx="8056080" cy="1103760"/>
           </a:xfrm>
           <a:prstGeom prst="rect">
             <a:avLst/>
@@ -8268,7 +8309,7 @@
         <p:spPr>
           <a:xfrm>
             <a:off x="502920" y="90720"/>
-            <a:ext cx="9070920" cy="946080"/>
+            <a:ext cx="9070560" cy="945720"/>
           </a:xfrm>
           <a:prstGeom prst="rect">
             <a:avLst/>
@@ -8323,7 +8364,7 @@
         <p:spPr>
           <a:xfrm>
             <a:off x="592920" y="1440000"/>
-            <a:ext cx="8047080" cy="1323360"/>
+            <a:ext cx="8046720" cy="1323000"/>
           </a:xfrm>
           <a:prstGeom prst="rect">
             <a:avLst/>
@@ -8380,7 +8421,7 @@
         <p:spPr>
           <a:xfrm>
             <a:off x="502920" y="90720"/>
-            <a:ext cx="9070920" cy="946080"/>
+            <a:ext cx="9070560" cy="945720"/>
           </a:xfrm>
           <a:prstGeom prst="rect">
             <a:avLst/>
@@ -8469,7 +8510,7 @@
         <p:spPr>
           <a:xfrm>
             <a:off x="502920" y="90720"/>
-            <a:ext cx="9070920" cy="946080"/>
+            <a:ext cx="9070560" cy="945720"/>
           </a:xfrm>
           <a:prstGeom prst="rect">
             <a:avLst/>
@@ -8520,7 +8561,7 @@
         <p:spPr>
           <a:xfrm>
             <a:off x="484200" y="1097640"/>
-            <a:ext cx="8999280" cy="4293000"/>
+            <a:ext cx="8998920" cy="4292640"/>
           </a:xfrm>
           <a:prstGeom prst="rect">
             <a:avLst/>
@@ -8731,7 +8772,7 @@
         <p:spPr>
           <a:xfrm>
             <a:off x="502920" y="630720"/>
-            <a:ext cx="9070920" cy="4388040"/>
+            <a:ext cx="9070560" cy="4387680"/>
           </a:xfrm>
           <a:prstGeom prst="rect">
             <a:avLst/>
@@ -8795,7 +8836,7 @@
         <p:spPr>
           <a:xfrm>
             <a:off x="502920" y="90720"/>
-            <a:ext cx="9070920" cy="946080"/>
+            <a:ext cx="9070560" cy="945720"/>
           </a:xfrm>
           <a:prstGeom prst="rect">
             <a:avLst/>
@@ -8846,7 +8887,7 @@
         <p:spPr>
           <a:xfrm>
             <a:off x="495720" y="1135800"/>
-            <a:ext cx="8999280" cy="4293000"/>
+            <a:ext cx="8998920" cy="4292640"/>
           </a:xfrm>
           <a:prstGeom prst="rect">
             <a:avLst/>
@@ -9075,7 +9116,7 @@
         <p:spPr>
           <a:xfrm>
             <a:off x="502920" y="90720"/>
-            <a:ext cx="9070920" cy="946080"/>
+            <a:ext cx="9070560" cy="945720"/>
           </a:xfrm>
           <a:prstGeom prst="rect">
             <a:avLst/>
@@ -9126,7 +9167,7 @@
         <p:spPr>
           <a:xfrm>
             <a:off x="540000" y="1602360"/>
-            <a:ext cx="8999280" cy="3318840"/>
+            <a:ext cx="8998920" cy="3318480"/>
           </a:xfrm>
           <a:prstGeom prst="rect">
             <a:avLst/>
@@ -9271,7 +9312,7 @@
         <p:spPr>
           <a:xfrm>
             <a:off x="1091160" y="2035440"/>
-            <a:ext cx="8017920" cy="1379520"/>
+            <a:ext cx="8017560" cy="1379160"/>
           </a:xfrm>
           <a:prstGeom prst="rect">
             <a:avLst/>
@@ -9328,7 +9369,7 @@
         <p:spPr>
           <a:xfrm>
             <a:off x="502920" y="90720"/>
-            <a:ext cx="9070920" cy="946080"/>
+            <a:ext cx="9070560" cy="945720"/>
           </a:xfrm>
           <a:prstGeom prst="rect">
             <a:avLst/>
@@ -9379,7 +9420,7 @@
         <p:spPr>
           <a:xfrm>
             <a:off x="540000" y="1692000"/>
-            <a:ext cx="8999280" cy="3138840"/>
+            <a:ext cx="8998920" cy="3138480"/>
           </a:xfrm>
           <a:prstGeom prst="rect">
             <a:avLst/>
@@ -9514,7 +9555,7 @@
         <p:spPr>
           <a:xfrm>
             <a:off x="2526480" y="2461680"/>
-            <a:ext cx="5179680" cy="1189080"/>
+            <a:ext cx="5179320" cy="1188720"/>
           </a:xfrm>
           <a:prstGeom prst="rect">
             <a:avLst/>
@@ -9537,7 +9578,7 @@
         <p:spPr>
           <a:xfrm>
             <a:off x="503640" y="3616560"/>
-            <a:ext cx="8859240" cy="1095840"/>
+            <a:ext cx="8858880" cy="1095480"/>
           </a:xfrm>
           <a:prstGeom prst="rect">
             <a:avLst/>
@@ -9594,7 +9635,7 @@
         <p:spPr>
           <a:xfrm>
             <a:off x="502920" y="90720"/>
-            <a:ext cx="9070920" cy="946080"/>
+            <a:ext cx="9070560" cy="945720"/>
           </a:xfrm>
           <a:prstGeom prst="rect">
             <a:avLst/>
@@ -9645,7 +9686,7 @@
         <p:spPr>
           <a:xfrm>
             <a:off x="528840" y="1706400"/>
-            <a:ext cx="8999280" cy="3110040"/>
+            <a:ext cx="8998920" cy="3109680"/>
           </a:xfrm>
           <a:prstGeom prst="rect">
             <a:avLst/>
@@ -9780,7 +9821,7 @@
         <p:spPr>
           <a:xfrm>
             <a:off x="415440" y="1260000"/>
-            <a:ext cx="8583840" cy="2699280"/>
+            <a:ext cx="8583480" cy="2698920"/>
           </a:xfrm>
           <a:prstGeom prst="rect">
             <a:avLst/>
@@ -9837,7 +9878,7 @@
         <p:spPr>
           <a:xfrm>
             <a:off x="502920" y="90720"/>
-            <a:ext cx="9070920" cy="946080"/>
+            <a:ext cx="9070560" cy="945720"/>
           </a:xfrm>
           <a:prstGeom prst="rect">
             <a:avLst/>
@@ -9888,7 +9929,7 @@
         <p:spPr>
           <a:xfrm>
             <a:off x="528840" y="1838880"/>
-            <a:ext cx="8999280" cy="2844720"/>
+            <a:ext cx="8998920" cy="2844360"/>
           </a:xfrm>
           <a:prstGeom prst="rect">
             <a:avLst/>
@@ -10013,7 +10054,7 @@
         <p:spPr>
           <a:xfrm>
             <a:off x="1074240" y="1290240"/>
-            <a:ext cx="8017920" cy="1589040"/>
+            <a:ext cx="8017560" cy="1588680"/>
           </a:xfrm>
           <a:prstGeom prst="rect">
             <a:avLst/>
@@ -10070,7 +10111,7 @@
         <p:spPr>
           <a:xfrm>
             <a:off x="502920" y="90720"/>
-            <a:ext cx="9070920" cy="946080"/>
+            <a:ext cx="9070560" cy="945720"/>
           </a:xfrm>
           <a:prstGeom prst="rect">
             <a:avLst/>
@@ -10121,7 +10162,7 @@
         <p:spPr>
           <a:xfrm>
             <a:off x="528840" y="1838880"/>
-            <a:ext cx="8999280" cy="2844720"/>
+            <a:ext cx="8998920" cy="2844360"/>
           </a:xfrm>
           <a:prstGeom prst="rect">
             <a:avLst/>
@@ -10242,7 +10283,7 @@
         <p:spPr>
           <a:xfrm>
             <a:off x="248040" y="1511640"/>
-            <a:ext cx="9670320" cy="2669040"/>
+            <a:ext cx="9669960" cy="2668680"/>
           </a:xfrm>
           <a:prstGeom prst="rect">
             <a:avLst/>
@@ -10391,7 +10432,7 @@
         <p:spPr>
           <a:xfrm>
             <a:off x="502920" y="90720"/>
-            <a:ext cx="9070920" cy="946080"/>
+            <a:ext cx="9070560" cy="945720"/>
           </a:xfrm>
           <a:prstGeom prst="rect">
             <a:avLst/>
@@ -10442,7 +10483,7 @@
         <p:spPr>
           <a:xfrm>
             <a:off x="281160" y="1179360"/>
-            <a:ext cx="9670320" cy="2669040"/>
+            <a:ext cx="9669960" cy="2668680"/>
           </a:xfrm>
           <a:prstGeom prst="rect">
             <a:avLst/>
@@ -10597,7 +10638,7 @@
         <p:spPr>
           <a:xfrm>
             <a:off x="2473920" y="3780000"/>
-            <a:ext cx="5265360" cy="1151280"/>
+            <a:ext cx="5265000" cy="1150920"/>
           </a:xfrm>
           <a:prstGeom prst="rect">
             <a:avLst/>
